--- a/Manuscript/figures/Figure_FLPhish-2.pptx
+++ b/Manuscript/figures/Figure_FLPhish-2.pptx
@@ -3225,6 +3225,12 @@
             <a:prstGeom prst="flowChartConnector">
               <a:avLst/>
             </a:prstGeom>
+            <a:solidFill>
+              <a:schemeClr val="accent6">
+                <a:lumMod val="40000"/>
+                <a:lumOff val="60000"/>
+              </a:schemeClr>
+            </a:solidFill>
           </p:spPr>
           <p:style>
             <a:lnRef idx="1">
@@ -3269,6 +3275,12 @@
             <a:prstGeom prst="flowChartConnector">
               <a:avLst/>
             </a:prstGeom>
+            <a:solidFill>
+              <a:schemeClr val="accent6">
+                <a:lumMod val="40000"/>
+                <a:lumOff val="60000"/>
+              </a:schemeClr>
+            </a:solidFill>
           </p:spPr>
           <p:style>
             <a:lnRef idx="1">
@@ -3313,6 +3325,12 @@
             <a:prstGeom prst="flowChartConnector">
               <a:avLst/>
             </a:prstGeom>
+            <a:solidFill>
+              <a:schemeClr val="accent6">
+                <a:lumMod val="40000"/>
+                <a:lumOff val="60000"/>
+              </a:schemeClr>
+            </a:solidFill>
           </p:spPr>
           <p:style>
             <a:lnRef idx="1">
@@ -3357,6 +3375,12 @@
             <a:prstGeom prst="flowChartConnector">
               <a:avLst/>
             </a:prstGeom>
+            <a:solidFill>
+              <a:schemeClr val="accent6">
+                <a:lumMod val="40000"/>
+                <a:lumOff val="60000"/>
+              </a:schemeClr>
+            </a:solidFill>
           </p:spPr>
           <p:style>
             <a:lnRef idx="1">
@@ -3401,6 +3425,12 @@
             <a:prstGeom prst="flowChartConnector">
               <a:avLst/>
             </a:prstGeom>
+            <a:solidFill>
+              <a:schemeClr val="accent6">
+                <a:lumMod val="40000"/>
+                <a:lumOff val="60000"/>
+              </a:schemeClr>
+            </a:solidFill>
           </p:spPr>
           <p:style>
             <a:lnRef idx="1">
@@ -3445,6 +3475,12 @@
             <a:prstGeom prst="flowChartConnector">
               <a:avLst/>
             </a:prstGeom>
+            <a:solidFill>
+              <a:schemeClr val="accent6">
+                <a:lumMod val="40000"/>
+                <a:lumOff val="60000"/>
+              </a:schemeClr>
+            </a:solidFill>
           </p:spPr>
           <p:style>
             <a:lnRef idx="1">
@@ -3489,6 +3525,12 @@
             <a:prstGeom prst="flowChartConnector">
               <a:avLst/>
             </a:prstGeom>
+            <a:solidFill>
+              <a:schemeClr val="accent6">
+                <a:lumMod val="40000"/>
+                <a:lumOff val="60000"/>
+              </a:schemeClr>
+            </a:solidFill>
           </p:spPr>
           <p:style>
             <a:lnRef idx="1">
@@ -3533,6 +3575,12 @@
             <a:prstGeom prst="flowChartConnector">
               <a:avLst/>
             </a:prstGeom>
+            <a:solidFill>
+              <a:schemeClr val="accent6">
+                <a:lumMod val="40000"/>
+                <a:lumOff val="60000"/>
+              </a:schemeClr>
+            </a:solidFill>
           </p:spPr>
           <p:style>
             <a:lnRef idx="1">
@@ -3577,6 +3625,12 @@
             <a:prstGeom prst="flowChartConnector">
               <a:avLst/>
             </a:prstGeom>
+            <a:solidFill>
+              <a:schemeClr val="accent6">
+                <a:lumMod val="40000"/>
+                <a:lumOff val="60000"/>
+              </a:schemeClr>
+            </a:solidFill>
           </p:spPr>
           <p:style>
             <a:lnRef idx="1">
@@ -4421,6 +4475,12 @@
             <a:prstGeom prst="flowChartConnector">
               <a:avLst/>
             </a:prstGeom>
+            <a:solidFill>
+              <a:schemeClr val="accent6">
+                <a:lumMod val="40000"/>
+                <a:lumOff val="60000"/>
+              </a:schemeClr>
+            </a:solidFill>
           </p:spPr>
           <p:style>
             <a:lnRef idx="1">
@@ -4660,9 +4720,9 @@
         <p:grpSpPr>
           <a:xfrm>
             <a:off x="3985669" y="4598465"/>
-            <a:ext cx="559967" cy="558552"/>
+            <a:ext cx="603839" cy="540000"/>
             <a:chOff x="2352806" y="5032250"/>
-            <a:chExt cx="559967" cy="558552"/>
+            <a:chExt cx="603839" cy="540000"/>
           </a:xfrm>
         </p:grpSpPr>
         <p:grpSp>
@@ -4705,6 +4765,9 @@
               <a:prstGeom prst="flowChartConnector">
                 <a:avLst/>
               </a:prstGeom>
+              <a:solidFill>
+                <a:srgbClr val="FF5050"/>
+              </a:solidFill>
             </p:spPr>
             <p:style>
               <a:lnRef idx="1">
@@ -4749,6 +4812,9 @@
               <a:prstGeom prst="flowChartConnector">
                 <a:avLst/>
               </a:prstGeom>
+              <a:solidFill>
+                <a:srgbClr val="FF5050"/>
+              </a:solidFill>
             </p:spPr>
             <p:style>
               <a:lnRef idx="1">
@@ -4793,6 +4859,9 @@
               <a:prstGeom prst="flowChartConnector">
                 <a:avLst/>
               </a:prstGeom>
+              <a:solidFill>
+                <a:srgbClr val="FF5050"/>
+              </a:solidFill>
             </p:spPr>
             <p:style>
               <a:lnRef idx="1">
@@ -4837,6 +4906,9 @@
               <a:prstGeom prst="flowChartConnector">
                 <a:avLst/>
               </a:prstGeom>
+              <a:solidFill>
+                <a:srgbClr val="FF5050"/>
+              </a:solidFill>
             </p:spPr>
             <p:style>
               <a:lnRef idx="1">
@@ -4881,6 +4953,9 @@
               <a:prstGeom prst="flowChartConnector">
                 <a:avLst/>
               </a:prstGeom>
+              <a:solidFill>
+                <a:srgbClr val="FF5050"/>
+              </a:solidFill>
             </p:spPr>
             <p:style>
               <a:lnRef idx="1">
@@ -4925,6 +5000,9 @@
               <a:prstGeom prst="flowChartConnector">
                 <a:avLst/>
               </a:prstGeom>
+              <a:solidFill>
+                <a:srgbClr val="FF5050"/>
+              </a:solidFill>
             </p:spPr>
             <p:style>
               <a:lnRef idx="1">
@@ -4969,6 +5047,9 @@
               <a:prstGeom prst="flowChartConnector">
                 <a:avLst/>
               </a:prstGeom>
+              <a:solidFill>
+                <a:srgbClr val="FF5050"/>
+              </a:solidFill>
             </p:spPr>
             <p:style>
               <a:lnRef idx="1">
@@ -5013,6 +5094,9 @@
               <a:prstGeom prst="flowChartConnector">
                 <a:avLst/>
               </a:prstGeom>
+              <a:solidFill>
+                <a:srgbClr val="FF5050"/>
+              </a:solidFill>
             </p:spPr>
             <p:style>
               <a:lnRef idx="1">
@@ -5057,6 +5141,9 @@
               <a:prstGeom prst="flowChartConnector">
                 <a:avLst/>
               </a:prstGeom>
+              <a:solidFill>
+                <a:srgbClr val="FF5050"/>
+              </a:solidFill>
             </p:spPr>
             <p:style>
               <a:lnRef idx="1">
@@ -5901,6 +5988,9 @@
               <a:prstGeom prst="flowChartConnector">
                 <a:avLst/>
               </a:prstGeom>
+              <a:solidFill>
+                <a:srgbClr val="FF5050"/>
+              </a:solidFill>
             </p:spPr>
             <p:style>
               <a:lnRef idx="1">
@@ -6108,12 +6198,13 @@
           </p:blipFill>
           <p:spPr>
             <a:xfrm>
-              <a:off x="2624773" y="5302802"/>
+              <a:off x="2668645" y="5273072"/>
               <a:ext cx="288000" cy="288000"/>
             </a:xfrm>
             <a:prstGeom prst="rect">
               <a:avLst/>
             </a:prstGeom>
+            <a:noFill/>
           </p:spPr>
         </p:pic>
       </p:grpSp>
@@ -6159,10 +6250,10 @@
           <a:p>
             <a:pPr algn="ctr"/>
             <a:r>
-              <a:rPr lang="en-US" altLang="zh-CN" sz="1200" b="1" dirty="0"/>
+              <a:rPr lang="en-US" altLang="zh-CN" sz="1200" b="1" i="1" dirty="0"/>
               <a:t>Public dataset</a:t>
             </a:r>
-            <a:endParaRPr lang="zh-CN" altLang="en-US" sz="1200" b="1" dirty="0"/>
+            <a:endParaRPr lang="zh-CN" altLang="en-US" sz="1200" b="1" i="1" dirty="0"/>
           </a:p>
         </p:txBody>
       </p:sp>
@@ -6234,10 +6325,10 @@
             <a:p>
               <a:pPr algn="ctr"/>
               <a:r>
-                <a:rPr lang="en-US" altLang="zh-CN" sz="1200" b="1" dirty="0"/>
+                <a:rPr lang="en-US" altLang="zh-CN" sz="1200" b="1" i="1" dirty="0"/>
                 <a:t>Labeled dataset</a:t>
               </a:r>
-              <a:endParaRPr lang="zh-CN" altLang="en-US" sz="1200" b="1" dirty="0"/>
+              <a:endParaRPr lang="zh-CN" altLang="en-US" sz="1200" b="1" i="1" dirty="0"/>
             </a:p>
           </p:txBody>
         </p:sp>
@@ -6289,10 +6380,10 @@
             <a:p>
               <a:pPr algn="ctr"/>
               <a:r>
-                <a:rPr lang="en-US" altLang="zh-CN" sz="1200" b="1" dirty="0"/>
+                <a:rPr lang="en-US" altLang="zh-CN" sz="1200" b="1" i="1" dirty="0"/>
                 <a:t>Unlabeled dataset</a:t>
               </a:r>
-              <a:endParaRPr lang="zh-CN" altLang="en-US" sz="1200" b="1" dirty="0"/>
+              <a:endParaRPr lang="zh-CN" altLang="en-US" sz="1200" b="1" i="1" dirty="0"/>
             </a:p>
           </p:txBody>
         </p:sp>
@@ -6345,7 +6436,7 @@
             <a:lstStyle/>
             <a:p>
               <a:pPr algn="ctr"/>
-              <a:endParaRPr lang="zh-CN" altLang="en-US" sz="900"/>
+              <a:endParaRPr lang="zh-CN" altLang="en-US" sz="900" i="1"/>
             </a:p>
           </p:txBody>
         </p:sp>
@@ -7678,10 +7769,10 @@
             <a:p>
               <a:pPr algn="ctr"/>
               <a:r>
-                <a:rPr lang="en-US" altLang="zh-CN" sz="1200" b="1" dirty="0"/>
+                <a:rPr lang="en-US" altLang="zh-CN" sz="1200" b="1" i="1" dirty="0"/>
                 <a:t>Unlabeled dataset</a:t>
               </a:r>
-              <a:endParaRPr lang="zh-CN" altLang="en-US" sz="1200" b="1" dirty="0"/>
+              <a:endParaRPr lang="zh-CN" altLang="en-US" sz="1200" b="1" i="1" dirty="0"/>
             </a:p>
           </p:txBody>
         </p:sp>
@@ -7788,7 +7879,7 @@
             <a:lstStyle/>
             <a:p>
               <a:pPr algn="ctr"/>
-              <a:endParaRPr lang="zh-CN" altLang="en-US" sz="900"/>
+              <a:endParaRPr lang="zh-CN" altLang="en-US" sz="900" i="1"/>
             </a:p>
           </p:txBody>
         </p:sp>
@@ -7862,7 +7953,7 @@
           </a:xfrm>
           <a:prstGeom prst="curvedConnector3">
             <a:avLst>
-              <a:gd name="adj1" fmla="val 50000"/>
+              <a:gd name="adj1" fmla="val 42521"/>
             </a:avLst>
           </a:prstGeom>
           <a:ln>
@@ -7945,6 +8036,9 @@
               <a:prstGeom prst="flowChartConnector">
                 <a:avLst/>
               </a:prstGeom>
+              <a:solidFill>
+                <a:schemeClr val="accent1"/>
+              </a:solidFill>
             </p:spPr>
             <p:style>
               <a:lnRef idx="1">
@@ -7989,6 +8083,9 @@
               <a:prstGeom prst="flowChartConnector">
                 <a:avLst/>
               </a:prstGeom>
+              <a:solidFill>
+                <a:schemeClr val="accent1"/>
+              </a:solidFill>
             </p:spPr>
             <p:style>
               <a:lnRef idx="1">
@@ -8033,6 +8130,9 @@
               <a:prstGeom prst="flowChartConnector">
                 <a:avLst/>
               </a:prstGeom>
+              <a:solidFill>
+                <a:schemeClr val="accent1"/>
+              </a:solidFill>
             </p:spPr>
             <p:style>
               <a:lnRef idx="1">
@@ -8077,6 +8177,9 @@
               <a:prstGeom prst="flowChartConnector">
                 <a:avLst/>
               </a:prstGeom>
+              <a:solidFill>
+                <a:schemeClr val="accent1"/>
+              </a:solidFill>
             </p:spPr>
             <p:style>
               <a:lnRef idx="1">
@@ -8121,6 +8224,9 @@
               <a:prstGeom prst="flowChartConnector">
                 <a:avLst/>
               </a:prstGeom>
+              <a:solidFill>
+                <a:schemeClr val="accent1"/>
+              </a:solidFill>
             </p:spPr>
             <p:style>
               <a:lnRef idx="1">
@@ -8165,6 +8271,9 @@
               <a:prstGeom prst="flowChartConnector">
                 <a:avLst/>
               </a:prstGeom>
+              <a:solidFill>
+                <a:schemeClr val="accent1"/>
+              </a:solidFill>
             </p:spPr>
             <p:style>
               <a:lnRef idx="1">
@@ -8209,6 +8318,9 @@
               <a:prstGeom prst="flowChartConnector">
                 <a:avLst/>
               </a:prstGeom>
+              <a:solidFill>
+                <a:schemeClr val="accent1"/>
+              </a:solidFill>
             </p:spPr>
             <p:style>
               <a:lnRef idx="1">
@@ -8253,6 +8365,9 @@
               <a:prstGeom prst="flowChartConnector">
                 <a:avLst/>
               </a:prstGeom>
+              <a:solidFill>
+                <a:schemeClr val="accent1"/>
+              </a:solidFill>
             </p:spPr>
             <p:style>
               <a:lnRef idx="1">
@@ -8297,6 +8412,9 @@
               <a:prstGeom prst="flowChartConnector">
                 <a:avLst/>
               </a:prstGeom>
+              <a:solidFill>
+                <a:schemeClr val="accent1"/>
+              </a:solidFill>
             </p:spPr>
             <p:style>
               <a:lnRef idx="1">
@@ -9141,6 +9259,9 @@
               <a:prstGeom prst="flowChartConnector">
                 <a:avLst/>
               </a:prstGeom>
+              <a:solidFill>
+                <a:schemeClr val="accent1"/>
+              </a:solidFill>
             </p:spPr>
             <p:style>
               <a:lnRef idx="1">
@@ -9366,6 +9487,9 @@
               <a:prstGeom prst="flowChartConnector">
                 <a:avLst/>
               </a:prstGeom>
+              <a:solidFill>
+                <a:schemeClr val="accent1"/>
+              </a:solidFill>
             </p:spPr>
             <p:style>
               <a:lnRef idx="1">
@@ -9410,6 +9534,9 @@
               <a:prstGeom prst="flowChartConnector">
                 <a:avLst/>
               </a:prstGeom>
+              <a:solidFill>
+                <a:schemeClr val="accent1"/>
+              </a:solidFill>
             </p:spPr>
             <p:style>
               <a:lnRef idx="1">
@@ -9454,6 +9581,9 @@
               <a:prstGeom prst="flowChartConnector">
                 <a:avLst/>
               </a:prstGeom>
+              <a:solidFill>
+                <a:schemeClr val="accent1"/>
+              </a:solidFill>
             </p:spPr>
             <p:style>
               <a:lnRef idx="1">
@@ -9498,6 +9628,9 @@
               <a:prstGeom prst="flowChartConnector">
                 <a:avLst/>
               </a:prstGeom>
+              <a:solidFill>
+                <a:schemeClr val="accent1"/>
+              </a:solidFill>
             </p:spPr>
             <p:style>
               <a:lnRef idx="1">
@@ -9542,6 +9675,9 @@
               <a:prstGeom prst="flowChartConnector">
                 <a:avLst/>
               </a:prstGeom>
+              <a:solidFill>
+                <a:schemeClr val="accent1"/>
+              </a:solidFill>
             </p:spPr>
             <p:style>
               <a:lnRef idx="1">
@@ -9586,6 +9722,9 @@
               <a:prstGeom prst="flowChartConnector">
                 <a:avLst/>
               </a:prstGeom>
+              <a:solidFill>
+                <a:schemeClr val="accent1"/>
+              </a:solidFill>
             </p:spPr>
             <p:style>
               <a:lnRef idx="1">
@@ -9630,6 +9769,9 @@
               <a:prstGeom prst="flowChartConnector">
                 <a:avLst/>
               </a:prstGeom>
+              <a:solidFill>
+                <a:schemeClr val="accent1"/>
+              </a:solidFill>
             </p:spPr>
             <p:style>
               <a:lnRef idx="1">
@@ -9674,6 +9816,9 @@
               <a:prstGeom prst="flowChartConnector">
                 <a:avLst/>
               </a:prstGeom>
+              <a:solidFill>
+                <a:schemeClr val="accent1"/>
+              </a:solidFill>
             </p:spPr>
             <p:style>
               <a:lnRef idx="1">
@@ -9718,6 +9863,9 @@
               <a:prstGeom prst="flowChartConnector">
                 <a:avLst/>
               </a:prstGeom>
+              <a:solidFill>
+                <a:schemeClr val="accent1"/>
+              </a:solidFill>
             </p:spPr>
             <p:style>
               <a:lnRef idx="1">
@@ -10562,6 +10710,9 @@
               <a:prstGeom prst="flowChartConnector">
                 <a:avLst/>
               </a:prstGeom>
+              <a:solidFill>
+                <a:schemeClr val="accent1"/>
+              </a:solidFill>
             </p:spPr>
             <p:style>
               <a:lnRef idx="1">

--- a/Manuscript/figures/Figure_FLPhish-2.pptx
+++ b/Manuscript/figures/Figure_FLPhish-2.pptx
@@ -241,7 +241,7 @@
           <a:p>
             <a:fld id="{D997B5FA-0921-464F-AAE1-844C04324D75}" type="datetimeFigureOut">
               <a:rPr lang="zh-CN" altLang="en-US" smtClean="0"/>
-              <a:t>2022-01-21</a:t>
+              <a:t>2022-01-24</a:t>
             </a:fld>
             <a:endParaRPr lang="zh-CN" altLang="en-US"/>
           </a:p>
@@ -404,7 +404,7 @@
           <a:p>
             <a:fld id="{D997B5FA-0921-464F-AAE1-844C04324D75}" type="datetimeFigureOut">
               <a:rPr lang="zh-CN" altLang="en-US" smtClean="0"/>
-              <a:t>2022-01-21</a:t>
+              <a:t>2022-01-24</a:t>
             </a:fld>
             <a:endParaRPr lang="zh-CN" altLang="en-US"/>
           </a:p>
@@ -577,7 +577,7 @@
           <a:p>
             <a:fld id="{D997B5FA-0921-464F-AAE1-844C04324D75}" type="datetimeFigureOut">
               <a:rPr lang="zh-CN" altLang="en-US" smtClean="0"/>
-              <a:t>2022-01-21</a:t>
+              <a:t>2022-01-24</a:t>
             </a:fld>
             <a:endParaRPr lang="zh-CN" altLang="en-US"/>
           </a:p>
@@ -740,7 +740,7 @@
           <a:p>
             <a:fld id="{D997B5FA-0921-464F-AAE1-844C04324D75}" type="datetimeFigureOut">
               <a:rPr lang="zh-CN" altLang="en-US" smtClean="0"/>
-              <a:t>2022-01-21</a:t>
+              <a:t>2022-01-24</a:t>
             </a:fld>
             <a:endParaRPr lang="zh-CN" altLang="en-US"/>
           </a:p>
@@ -980,7 +980,7 @@
           <a:p>
             <a:fld id="{D997B5FA-0921-464F-AAE1-844C04324D75}" type="datetimeFigureOut">
               <a:rPr lang="zh-CN" altLang="en-US" smtClean="0"/>
-              <a:t>2022-01-21</a:t>
+              <a:t>2022-01-24</a:t>
             </a:fld>
             <a:endParaRPr lang="zh-CN" altLang="en-US"/>
           </a:p>
@@ -1204,7 +1204,7 @@
           <a:p>
             <a:fld id="{D997B5FA-0921-464F-AAE1-844C04324D75}" type="datetimeFigureOut">
               <a:rPr lang="zh-CN" altLang="en-US" smtClean="0"/>
-              <a:t>2022-01-21</a:t>
+              <a:t>2022-01-24</a:t>
             </a:fld>
             <a:endParaRPr lang="zh-CN" altLang="en-US"/>
           </a:p>
@@ -1563,7 +1563,7 @@
           <a:p>
             <a:fld id="{D997B5FA-0921-464F-AAE1-844C04324D75}" type="datetimeFigureOut">
               <a:rPr lang="zh-CN" altLang="en-US" smtClean="0"/>
-              <a:t>2022-01-21</a:t>
+              <a:t>2022-01-24</a:t>
             </a:fld>
             <a:endParaRPr lang="zh-CN" altLang="en-US"/>
           </a:p>
@@ -1675,7 +1675,7 @@
           <a:p>
             <a:fld id="{D997B5FA-0921-464F-AAE1-844C04324D75}" type="datetimeFigureOut">
               <a:rPr lang="zh-CN" altLang="en-US" smtClean="0"/>
-              <a:t>2022-01-21</a:t>
+              <a:t>2022-01-24</a:t>
             </a:fld>
             <a:endParaRPr lang="zh-CN" altLang="en-US"/>
           </a:p>
@@ -1765,7 +1765,7 @@
           <a:p>
             <a:fld id="{D997B5FA-0921-464F-AAE1-844C04324D75}" type="datetimeFigureOut">
               <a:rPr lang="zh-CN" altLang="en-US" smtClean="0"/>
-              <a:t>2022-01-21</a:t>
+              <a:t>2022-01-24</a:t>
             </a:fld>
             <a:endParaRPr lang="zh-CN" altLang="en-US"/>
           </a:p>
@@ -2035,7 +2035,7 @@
           <a:p>
             <a:fld id="{D997B5FA-0921-464F-AAE1-844C04324D75}" type="datetimeFigureOut">
               <a:rPr lang="zh-CN" altLang="en-US" smtClean="0"/>
-              <a:t>2022-01-21</a:t>
+              <a:t>2022-01-24</a:t>
             </a:fld>
             <a:endParaRPr lang="zh-CN" altLang="en-US"/>
           </a:p>
@@ -2282,7 +2282,7 @@
           <a:p>
             <a:fld id="{D997B5FA-0921-464F-AAE1-844C04324D75}" type="datetimeFigureOut">
               <a:rPr lang="zh-CN" altLang="en-US" smtClean="0"/>
-              <a:t>2022-01-21</a:t>
+              <a:t>2022-01-24</a:t>
             </a:fld>
             <a:endParaRPr lang="zh-CN" altLang="en-US"/>
           </a:p>
@@ -2488,7 +2488,7 @@
           <a:p>
             <a:fld id="{D997B5FA-0921-464F-AAE1-844C04324D75}" type="datetimeFigureOut">
               <a:rPr lang="zh-CN" altLang="en-US" smtClean="0"/>
-              <a:t>2022-01-21</a:t>
+              <a:t>2022-01-24</a:t>
             </a:fld>
             <a:endParaRPr lang="zh-CN" altLang="en-US"/>
           </a:p>
@@ -11177,8 +11177,8 @@
         </p:nvSpPr>
         <p:spPr>
           <a:xfrm>
-            <a:off x="3250001" y="3300444"/>
-            <a:ext cx="390525" cy="369332"/>
+            <a:off x="3250000" y="3355784"/>
+            <a:ext cx="390525" cy="307777"/>
           </a:xfrm>
           <a:prstGeom prst="rect">
             <a:avLst/>
@@ -11193,7 +11193,7 @@
           <a:p>
             <a:pPr algn="ctr"/>
             <a:r>
-              <a:rPr lang="zh-CN" altLang="en-US" dirty="0"/>
+              <a:rPr lang="zh-CN" altLang="en-US" sz="1400" dirty="0"/>
               <a:t>①</a:t>
             </a:r>
           </a:p>
@@ -11213,8 +11213,8 @@
         </p:nvSpPr>
         <p:spPr>
           <a:xfrm>
-            <a:off x="4788924" y="2433329"/>
-            <a:ext cx="390525" cy="369332"/>
+            <a:off x="4809708" y="2458835"/>
+            <a:ext cx="390525" cy="307777"/>
           </a:xfrm>
           <a:prstGeom prst="rect">
             <a:avLst/>
@@ -11229,7 +11229,7 @@
           <a:p>
             <a:pPr algn="ctr"/>
             <a:r>
-              <a:rPr lang="zh-CN" altLang="en-US" dirty="0"/>
+              <a:rPr lang="zh-CN" altLang="en-US" sz="1400" dirty="0"/>
               <a:t>②</a:t>
             </a:r>
           </a:p>
@@ -11250,7 +11250,7 @@
         <p:spPr>
           <a:xfrm>
             <a:off x="4520216" y="3607451"/>
-            <a:ext cx="390525" cy="369332"/>
+            <a:ext cx="390525" cy="307777"/>
           </a:xfrm>
           <a:prstGeom prst="rect">
             <a:avLst/>
@@ -11265,7 +11265,7 @@
           <a:p>
             <a:pPr algn="ctr"/>
             <a:r>
-              <a:rPr lang="zh-CN" altLang="en-US" dirty="0"/>
+              <a:rPr lang="zh-CN" altLang="en-US" sz="1400" dirty="0"/>
               <a:t>③</a:t>
             </a:r>
           </a:p>
@@ -11285,8 +11285,8 @@
         </p:nvSpPr>
         <p:spPr>
           <a:xfrm>
-            <a:off x="7719561" y="4259871"/>
-            <a:ext cx="390525" cy="369332"/>
+            <a:off x="7707574" y="4349062"/>
+            <a:ext cx="390525" cy="307777"/>
           </a:xfrm>
           <a:prstGeom prst="rect">
             <a:avLst/>
@@ -11301,7 +11301,7 @@
           <a:p>
             <a:pPr algn="ctr"/>
             <a:r>
-              <a:rPr lang="zh-CN" altLang="en-US" dirty="0"/>
+              <a:rPr lang="zh-CN" altLang="en-US" sz="1400" dirty="0"/>
               <a:t>④</a:t>
             </a:r>
           </a:p>
@@ -11358,8 +11358,8 @@
         </p:nvSpPr>
         <p:spPr>
           <a:xfrm>
-            <a:off x="3250000" y="4491664"/>
-            <a:ext cx="390525" cy="369332"/>
+            <a:off x="3250000" y="4568073"/>
+            <a:ext cx="390525" cy="307777"/>
           </a:xfrm>
           <a:prstGeom prst="rect">
             <a:avLst/>
@@ -11374,7 +11374,7 @@
           <a:p>
             <a:pPr algn="ctr"/>
             <a:r>
-              <a:rPr lang="zh-CN" altLang="en-US" dirty="0"/>
+              <a:rPr lang="zh-CN" altLang="en-US" sz="1400" dirty="0"/>
               <a:t>①</a:t>
             </a:r>
           </a:p>
@@ -11395,7 +11395,7 @@
         <p:spPr>
           <a:xfrm>
             <a:off x="4529841" y="4818287"/>
-            <a:ext cx="390525" cy="369332"/>
+            <a:ext cx="390525" cy="307777"/>
           </a:xfrm>
           <a:prstGeom prst="rect">
             <a:avLst/>
@@ -11410,7 +11410,7 @@
           <a:p>
             <a:pPr algn="ctr"/>
             <a:r>
-              <a:rPr lang="zh-CN" altLang="en-US" dirty="0"/>
+              <a:rPr lang="zh-CN" altLang="en-US" sz="1400" dirty="0"/>
               <a:t>③</a:t>
             </a:r>
           </a:p>
@@ -11430,8 +11430,8 @@
         </p:nvSpPr>
         <p:spPr>
           <a:xfrm>
-            <a:off x="7726878" y="3028673"/>
-            <a:ext cx="390525" cy="369332"/>
+            <a:off x="7707575" y="3124317"/>
+            <a:ext cx="390525" cy="307777"/>
           </a:xfrm>
           <a:prstGeom prst="rect">
             <a:avLst/>
@@ -11446,7 +11446,7 @@
           <a:p>
             <a:pPr algn="ctr"/>
             <a:r>
-              <a:rPr lang="zh-CN" altLang="en-US" dirty="0"/>
+              <a:rPr lang="zh-CN" altLang="en-US" sz="1400" dirty="0"/>
               <a:t>④</a:t>
             </a:r>
           </a:p>
@@ -11466,8 +11466,8 @@
         </p:nvSpPr>
         <p:spPr>
           <a:xfrm>
-            <a:off x="8724619" y="3808446"/>
-            <a:ext cx="360000" cy="369332"/>
+            <a:off x="8782992" y="3851839"/>
+            <a:ext cx="360000" cy="307777"/>
           </a:xfrm>
           <a:prstGeom prst="rect">
             <a:avLst/>
@@ -11482,10 +11482,9 @@
           <a:p>
             <a:pPr algn="ctr"/>
             <a:r>
-              <a:rPr lang="zh-CN" altLang="en-US" sz="1800" dirty="0"/>
+              <a:rPr lang="zh-CN" altLang="en-US" sz="1400" dirty="0"/>
               <a:t>⑤</a:t>
             </a:r>
-            <a:endParaRPr lang="zh-CN" altLang="en-US" dirty="0"/>
           </a:p>
         </p:txBody>
       </p:sp>
